--- a/windkessel.pptx
+++ b/windkessel.pptx
@@ -5,7 +5,7 @@
     <p:sldMasterId id="2147483648" r:id="rId1"/>
   </p:sldMasterIdLst>
   <p:notesMasterIdLst>
-    <p:notesMasterId r:id="rId24"/>
+    <p:notesMasterId r:id="rId27"/>
   </p:notesMasterIdLst>
   <p:sldIdLst>
     <p:sldId id="256" r:id="rId2"/>
@@ -17,19 +17,22 @@
     <p:sldId id="283" r:id="rId8"/>
     <p:sldId id="276" r:id="rId9"/>
     <p:sldId id="257" r:id="rId10"/>
-    <p:sldId id="288" r:id="rId11"/>
+    <p:sldId id="290" r:id="rId11"/>
     <p:sldId id="272" r:id="rId12"/>
-    <p:sldId id="258" r:id="rId13"/>
-    <p:sldId id="259" r:id="rId14"/>
-    <p:sldId id="260" r:id="rId15"/>
-    <p:sldId id="261" r:id="rId16"/>
-    <p:sldId id="262" r:id="rId17"/>
-    <p:sldId id="263" r:id="rId18"/>
-    <p:sldId id="277" r:id="rId19"/>
-    <p:sldId id="280" r:id="rId20"/>
-    <p:sldId id="278" r:id="rId21"/>
-    <p:sldId id="279" r:id="rId22"/>
-    <p:sldId id="289" r:id="rId23"/>
+    <p:sldId id="288" r:id="rId13"/>
+    <p:sldId id="258" r:id="rId14"/>
+    <p:sldId id="259" r:id="rId15"/>
+    <p:sldId id="260" r:id="rId16"/>
+    <p:sldId id="261" r:id="rId17"/>
+    <p:sldId id="262" r:id="rId18"/>
+    <p:sldId id="263" r:id="rId19"/>
+    <p:sldId id="277" r:id="rId20"/>
+    <p:sldId id="280" r:id="rId21"/>
+    <p:sldId id="278" r:id="rId22"/>
+    <p:sldId id="279" r:id="rId23"/>
+    <p:sldId id="289" r:id="rId24"/>
+    <p:sldId id="292" r:id="rId25"/>
+    <p:sldId id="291" r:id="rId26"/>
   </p:sldIdLst>
   <p:sldSz cx="9144000" cy="6858000" type="screen4x3"/>
   <p:notesSz cx="6858000" cy="9144000"/>
@@ -213,7 +216,7 @@
           <a:p>
             <a:fld id="{35E2D716-5A12-4373-B2A0-8AC2236B5F46}" type="datetimeFigureOut">
               <a:rPr lang="ru-RU" smtClean="0"/>
-              <a:t>13.03.2022</a:t>
+              <a:t>16.03.2022</a:t>
             </a:fld>
             <a:endParaRPr lang="ru-RU"/>
           </a:p>
@@ -546,7 +549,7 @@
           <a:p>
             <a:fld id="{A9A0DD26-CC09-4A66-9A3C-5A4FCBFC618C}" type="slidenum">
               <a:rPr lang="ru-RU" smtClean="0"/>
-              <a:t>18</a:t>
+              <a:t>19</a:t>
             </a:fld>
             <a:endParaRPr lang="ru-RU"/>
           </a:p>
@@ -746,7 +749,7 @@
           <a:p>
             <a:fld id="{86190527-8314-4263-A498-7F925A7466FA}" type="datetimeFigureOut">
               <a:rPr lang="ru-RU" smtClean="0"/>
-              <a:t>13.03.2022</a:t>
+              <a:t>16.03.2022</a:t>
             </a:fld>
             <a:endParaRPr lang="ru-RU"/>
           </a:p>
@@ -916,7 +919,7 @@
           <a:p>
             <a:fld id="{86190527-8314-4263-A498-7F925A7466FA}" type="datetimeFigureOut">
               <a:rPr lang="ru-RU" smtClean="0"/>
-              <a:t>13.03.2022</a:t>
+              <a:t>16.03.2022</a:t>
             </a:fld>
             <a:endParaRPr lang="ru-RU"/>
           </a:p>
@@ -1096,7 +1099,7 @@
           <a:p>
             <a:fld id="{86190527-8314-4263-A498-7F925A7466FA}" type="datetimeFigureOut">
               <a:rPr lang="ru-RU" smtClean="0"/>
-              <a:t>13.03.2022</a:t>
+              <a:t>16.03.2022</a:t>
             </a:fld>
             <a:endParaRPr lang="ru-RU"/>
           </a:p>
@@ -1266,7 +1269,7 @@
           <a:p>
             <a:fld id="{86190527-8314-4263-A498-7F925A7466FA}" type="datetimeFigureOut">
               <a:rPr lang="ru-RU" smtClean="0"/>
-              <a:t>13.03.2022</a:t>
+              <a:t>16.03.2022</a:t>
             </a:fld>
             <a:endParaRPr lang="ru-RU"/>
           </a:p>
@@ -1512,7 +1515,7 @@
           <a:p>
             <a:fld id="{86190527-8314-4263-A498-7F925A7466FA}" type="datetimeFigureOut">
               <a:rPr lang="ru-RU" smtClean="0"/>
-              <a:t>13.03.2022</a:t>
+              <a:t>16.03.2022</a:t>
             </a:fld>
             <a:endParaRPr lang="ru-RU"/>
           </a:p>
@@ -1800,7 +1803,7 @@
           <a:p>
             <a:fld id="{86190527-8314-4263-A498-7F925A7466FA}" type="datetimeFigureOut">
               <a:rPr lang="ru-RU" smtClean="0"/>
-              <a:t>13.03.2022</a:t>
+              <a:t>16.03.2022</a:t>
             </a:fld>
             <a:endParaRPr lang="ru-RU"/>
           </a:p>
@@ -2222,7 +2225,7 @@
           <a:p>
             <a:fld id="{86190527-8314-4263-A498-7F925A7466FA}" type="datetimeFigureOut">
               <a:rPr lang="ru-RU" smtClean="0"/>
-              <a:t>13.03.2022</a:t>
+              <a:t>16.03.2022</a:t>
             </a:fld>
             <a:endParaRPr lang="ru-RU"/>
           </a:p>
@@ -2340,7 +2343,7 @@
           <a:p>
             <a:fld id="{86190527-8314-4263-A498-7F925A7466FA}" type="datetimeFigureOut">
               <a:rPr lang="ru-RU" smtClean="0"/>
-              <a:t>13.03.2022</a:t>
+              <a:t>16.03.2022</a:t>
             </a:fld>
             <a:endParaRPr lang="ru-RU"/>
           </a:p>
@@ -2435,7 +2438,7 @@
           <a:p>
             <a:fld id="{86190527-8314-4263-A498-7F925A7466FA}" type="datetimeFigureOut">
               <a:rPr lang="ru-RU" smtClean="0"/>
-              <a:t>13.03.2022</a:t>
+              <a:t>16.03.2022</a:t>
             </a:fld>
             <a:endParaRPr lang="ru-RU"/>
           </a:p>
@@ -2712,7 +2715,7 @@
           <a:p>
             <a:fld id="{86190527-8314-4263-A498-7F925A7466FA}" type="datetimeFigureOut">
               <a:rPr lang="ru-RU" smtClean="0"/>
-              <a:t>13.03.2022</a:t>
+              <a:t>16.03.2022</a:t>
             </a:fld>
             <a:endParaRPr lang="ru-RU"/>
           </a:p>
@@ -2965,7 +2968,7 @@
           <a:p>
             <a:fld id="{86190527-8314-4263-A498-7F925A7466FA}" type="datetimeFigureOut">
               <a:rPr lang="ru-RU" smtClean="0"/>
-              <a:t>13.03.2022</a:t>
+              <a:t>16.03.2022</a:t>
             </a:fld>
             <a:endParaRPr lang="ru-RU"/>
           </a:p>
@@ -3178,7 +3181,7 @@
           <a:p>
             <a:fld id="{86190527-8314-4263-A498-7F925A7466FA}" type="datetimeFigureOut">
               <a:rPr lang="ru-RU" smtClean="0"/>
-              <a:t>13.03.2022</a:t>
+              <a:t>16.03.2022</a:t>
             </a:fld>
             <a:endParaRPr lang="ru-RU"/>
           </a:p>
@@ -3674,43 +3677,91 @@
           <a:bodyPr/>
           <a:lstStyle/>
           <a:p>
-            <a:pPr marL="0" indent="0">
-              <a:buNone/>
-            </a:pPr>
-            <a:r>
-              <a:rPr lang="ru-RU" dirty="0">
-                <a:latin typeface="Times New Roman" pitchFamily="18" charset="0"/>
-                <a:cs typeface="Times New Roman" pitchFamily="18" charset="0"/>
-              </a:rPr>
-              <a:t>В аорте, крупных артериях и их ветвях сопротивление току крови составляет около 19 %; на долю мелких артерий (диаметром менее 100 мкм) и артериол приходится 50 % сопротивления; в капиллярах сопротивление составляет примерно 25 %, в </a:t>
-            </a:r>
-            <a:r>
-              <a:rPr lang="ru-RU" dirty="0" err="1">
-                <a:latin typeface="Times New Roman" pitchFamily="18" charset="0"/>
-                <a:cs typeface="Times New Roman" pitchFamily="18" charset="0"/>
-              </a:rPr>
-              <a:t>венулах</a:t>
-            </a:r>
-            <a:r>
-              <a:rPr lang="ru-RU" dirty="0">
-                <a:latin typeface="Times New Roman" pitchFamily="18" charset="0"/>
-                <a:cs typeface="Times New Roman" pitchFamily="18" charset="0"/>
-              </a:rPr>
-              <a:t> — 4 %, в венах — 3 %.</a:t>
-            </a:r>
-          </a:p>
-        </p:txBody>
-      </p:sp>
+            <a:endParaRPr lang="ru-RU"/>
+          </a:p>
+        </p:txBody>
+      </p:sp>
+      <p:pic>
+        <p:nvPicPr>
+          <p:cNvPr id="1026" name="Picture 2"/>
+          <p:cNvPicPr>
+            <a:picLocks noChangeAspect="1" noChangeArrowheads="1"/>
+          </p:cNvPicPr>
+          <p:nvPr/>
+        </p:nvPicPr>
+        <p:blipFill>
+          <a:blip r:embed="rId2">
+            <a:extLst>
+              <a:ext uri="{28A0092B-C50C-407E-A947-70E740481C1C}">
+                <a14:useLocalDpi xmlns:a14="http://schemas.microsoft.com/office/drawing/2010/main" val="0"/>
+              </a:ext>
+            </a:extLst>
+          </a:blip>
+          <a:srcRect/>
+          <a:stretch>
+            <a:fillRect/>
+          </a:stretch>
+        </p:blipFill>
+        <p:spPr bwMode="auto">
+          <a:xfrm>
+            <a:off x="323528" y="260648"/>
+            <a:ext cx="8362220" cy="5760640"/>
+          </a:xfrm>
+          <a:prstGeom prst="rect">
+            <a:avLst/>
+          </a:prstGeom>
+          <a:noFill/>
+          <a:ln>
+            <a:noFill/>
+          </a:ln>
+          <a:effectLst/>
+          <a:extLst>
+            <a:ext uri="{909E8E84-426E-40DD-AFC4-6F175D3DCCD1}">
+              <a14:hiddenFill xmlns:a14="http://schemas.microsoft.com/office/drawing/2010/main">
+                <a:solidFill>
+                  <a:schemeClr val="accent1"/>
+                </a:solidFill>
+              </a14:hiddenFill>
+            </a:ext>
+            <a:ext uri="{91240B29-F687-4F45-9708-019B960494DF}">
+              <a14:hiddenLine xmlns:a14="http://schemas.microsoft.com/office/drawing/2010/main" w="9525">
+                <a:solidFill>
+                  <a:schemeClr val="tx1"/>
+                </a:solidFill>
+                <a:miter lim="800000"/>
+                <a:headEnd/>
+                <a:tailEnd/>
+              </a14:hiddenLine>
+            </a:ext>
+            <a:ext uri="{AF507438-7753-43E0-B8FC-AC1667EBCBE1}">
+              <a14:hiddenEffects xmlns:a14="http://schemas.microsoft.com/office/drawing/2010/main">
+                <a:effectLst>
+                  <a:outerShdw dist="35921" dir="2700000" algn="ctr" rotWithShape="0">
+                    <a:schemeClr val="bg2"/>
+                  </a:outerShdw>
+                </a:effectLst>
+              </a14:hiddenEffects>
+            </a:ext>
+          </a:extLst>
+        </p:spPr>
+      </p:pic>
     </p:spTree>
     <p:extLst>
       <p:ext uri="{BB962C8B-B14F-4D97-AF65-F5344CB8AC3E}">
-        <p14:creationId xmlns:p14="http://schemas.microsoft.com/office/powerpoint/2010/main" val="1889840738"/>
+        <p14:creationId xmlns:p14="http://schemas.microsoft.com/office/powerpoint/2010/main" val="2884474485"/>
       </p:ext>
     </p:extLst>
   </p:cSld>
   <p:clrMapOvr>
     <a:masterClrMapping/>
   </p:clrMapOvr>
+  <p:timing>
+    <p:tnLst>
+      <p:par>
+        <p:cTn id="1" dur="indefinite" restart="never" nodeType="tmRoot"/>
+      </p:par>
+    </p:tnLst>
+  </p:timing>
 </p:sld>
 </file>
 
@@ -3760,13 +3811,11 @@
       </p:sp>
       <p:pic>
         <p:nvPicPr>
-          <p:cNvPr id="6" name="Объект 5"/>
+          <p:cNvPr id="3" name="Рисунок 2"/>
           <p:cNvPicPr>
-            <a:picLocks noGrp="1" noChangeAspect="1"/>
+            <a:picLocks noChangeAspect="1"/>
           </p:cNvPicPr>
-          <p:nvPr>
-            <p:ph idx="1"/>
-          </p:nvPr>
+          <p:nvPr/>
         </p:nvPicPr>
         <p:blipFill>
           <a:blip r:embed="rId2">
@@ -3782,11 +3831,61 @@
         </p:blipFill>
         <p:spPr>
           <a:xfrm>
-            <a:off x="1547664" y="1268760"/>
-            <a:ext cx="5986261" cy="4398069"/>
+            <a:off x="11875" y="908720"/>
+            <a:ext cx="8960995" cy="5040560"/>
           </a:xfrm>
+          <a:prstGeom prst="rect">
+            <a:avLst/>
+          </a:prstGeom>
         </p:spPr>
       </p:pic>
+      <p:sp>
+        <p:nvSpPr>
+          <p:cNvPr id="4" name="Объект 3"/>
+          <p:cNvSpPr>
+            <a:spLocks noGrp="1"/>
+          </p:cNvSpPr>
+          <p:nvPr>
+            <p:ph idx="1"/>
+          </p:nvPr>
+        </p:nvSpPr>
+        <p:spPr/>
+        <p:txBody>
+          <a:bodyPr/>
+          <a:lstStyle/>
+          <a:p>
+            <a:endParaRPr lang="ru-RU" dirty="0"/>
+          </a:p>
+        </p:txBody>
+      </p:sp>
+      <p:sp>
+        <p:nvSpPr>
+          <p:cNvPr id="5" name="TextBox 4"/>
+          <p:cNvSpPr txBox="1"/>
+          <p:nvPr/>
+        </p:nvSpPr>
+        <p:spPr>
+          <a:xfrm>
+            <a:off x="6372200" y="5445224"/>
+            <a:ext cx="2448272" cy="504056"/>
+          </a:xfrm>
+          <a:prstGeom prst="rect">
+            <a:avLst/>
+          </a:prstGeom>
+          <a:solidFill>
+            <a:schemeClr val="tx1"/>
+          </a:solidFill>
+        </p:spPr>
+        <p:txBody>
+          <a:bodyPr wrap="square" rtlCol="0">
+            <a:spAutoFit/>
+          </a:bodyPr>
+          <a:lstStyle/>
+          <a:p>
+            <a:endParaRPr lang="ru-RU" dirty="0"/>
+          </a:p>
+        </p:txBody>
+      </p:sp>
     </p:spTree>
     <p:extLst>
       <p:ext uri="{BB962C8B-B14F-4D97-AF65-F5344CB8AC3E}">
@@ -3855,6 +3954,104 @@
         </p:nvSpPr>
         <p:spPr/>
         <p:txBody>
+          <a:bodyPr/>
+          <a:lstStyle/>
+          <a:p>
+            <a:pPr marL="0" indent="0">
+              <a:buNone/>
+            </a:pPr>
+            <a:r>
+              <a:rPr lang="ru-RU" dirty="0">
+                <a:latin typeface="Times New Roman" pitchFamily="18" charset="0"/>
+                <a:cs typeface="Times New Roman" pitchFamily="18" charset="0"/>
+              </a:rPr>
+              <a:t>В аорте, крупных артериях и их ветвях сопротивление току крови составляет около 19 %; на долю мелких артерий (диаметром менее 100 мкм) и артериол приходится 50 % сопротивления; в капиллярах сопротивление составляет примерно 25 %, в </a:t>
+            </a:r>
+            <a:r>
+              <a:rPr lang="ru-RU" dirty="0" err="1">
+                <a:latin typeface="Times New Roman" pitchFamily="18" charset="0"/>
+                <a:cs typeface="Times New Roman" pitchFamily="18" charset="0"/>
+              </a:rPr>
+              <a:t>венулах</a:t>
+            </a:r>
+            <a:r>
+              <a:rPr lang="ru-RU" dirty="0">
+                <a:latin typeface="Times New Roman" pitchFamily="18" charset="0"/>
+                <a:cs typeface="Times New Roman" pitchFamily="18" charset="0"/>
+              </a:rPr>
+              <a:t> — 4 %, в венах — 3 %.</a:t>
+            </a:r>
+          </a:p>
+        </p:txBody>
+      </p:sp>
+    </p:spTree>
+    <p:extLst>
+      <p:ext uri="{BB962C8B-B14F-4D97-AF65-F5344CB8AC3E}">
+        <p14:creationId xmlns:p14="http://schemas.microsoft.com/office/powerpoint/2010/main" val="1889840738"/>
+      </p:ext>
+    </p:extLst>
+  </p:cSld>
+  <p:clrMapOvr>
+    <a:masterClrMapping/>
+  </p:clrMapOvr>
+  <p:timing>
+    <p:tnLst>
+      <p:par>
+        <p:cTn id="1" dur="indefinite" restart="never" nodeType="tmRoot"/>
+      </p:par>
+    </p:tnLst>
+  </p:timing>
+</p:sld>
+</file>
+
+<file path=ppt/slides/slide13.xml><?xml version="1.0" encoding="utf-8"?>
+<p:sld xmlns:a="http://schemas.openxmlformats.org/drawingml/2006/main" xmlns:r="http://schemas.openxmlformats.org/officeDocument/2006/relationships" xmlns:p="http://schemas.openxmlformats.org/presentationml/2006/main">
+  <p:cSld>
+    <p:spTree>
+      <p:nvGrpSpPr>
+        <p:cNvPr id="1" name=""/>
+        <p:cNvGrpSpPr/>
+        <p:nvPr/>
+      </p:nvGrpSpPr>
+      <p:grpSpPr>
+        <a:xfrm>
+          <a:off x="0" y="0"/>
+          <a:ext cx="0" cy="0"/>
+          <a:chOff x="0" y="0"/>
+          <a:chExt cx="0" cy="0"/>
+        </a:xfrm>
+      </p:grpSpPr>
+      <p:sp>
+        <p:nvSpPr>
+          <p:cNvPr id="2" name="Заголовок 1"/>
+          <p:cNvSpPr>
+            <a:spLocks noGrp="1"/>
+          </p:cNvSpPr>
+          <p:nvPr>
+            <p:ph type="title"/>
+          </p:nvPr>
+        </p:nvSpPr>
+        <p:spPr/>
+        <p:txBody>
+          <a:bodyPr/>
+          <a:lstStyle/>
+          <a:p>
+            <a:endParaRPr lang="ru-RU"/>
+          </a:p>
+        </p:txBody>
+      </p:sp>
+      <p:sp>
+        <p:nvSpPr>
+          <p:cNvPr id="3" name="Объект 2"/>
+          <p:cNvSpPr>
+            <a:spLocks noGrp="1"/>
+          </p:cNvSpPr>
+          <p:nvPr>
+            <p:ph idx="1"/>
+          </p:nvPr>
+        </p:nvSpPr>
+        <p:spPr/>
+        <p:txBody>
           <a:bodyPr>
             <a:normAutofit fontScale="92500"/>
           </a:bodyPr>
@@ -4024,7 +4221,7 @@
 </p:sld>
 </file>
 
-<file path=ppt/slides/slide13.xml><?xml version="1.0" encoding="utf-8"?>
+<file path=ppt/slides/slide14.xml><?xml version="1.0" encoding="utf-8"?>
 <p:sld xmlns:a="http://schemas.openxmlformats.org/drawingml/2006/main" xmlns:r="http://schemas.openxmlformats.org/officeDocument/2006/relationships" xmlns:p="http://schemas.openxmlformats.org/presentationml/2006/main">
   <p:cSld>
     <p:spTree>
@@ -4384,7 +4581,7 @@
 </p:sld>
 </file>
 
-<file path=ppt/slides/slide14.xml><?xml version="1.0" encoding="utf-8"?>
+<file path=ppt/slides/slide15.xml><?xml version="1.0" encoding="utf-8"?>
 <p:sld xmlns:a="http://schemas.openxmlformats.org/drawingml/2006/main" xmlns:r="http://schemas.openxmlformats.org/officeDocument/2006/relationships" xmlns:p="http://schemas.openxmlformats.org/presentationml/2006/main">
   <p:cSld>
     <p:spTree>
@@ -4720,7 +4917,7 @@
 </p:sld>
 </file>
 
-<file path=ppt/slides/slide15.xml><?xml version="1.0" encoding="utf-8"?>
+<file path=ppt/slides/slide16.xml><?xml version="1.0" encoding="utf-8"?>
 <p:sld xmlns:a="http://schemas.openxmlformats.org/drawingml/2006/main" xmlns:r="http://schemas.openxmlformats.org/officeDocument/2006/relationships" xmlns:p="http://schemas.openxmlformats.org/presentationml/2006/main">
   <p:cSld>
     <p:spTree>
@@ -4905,7 +5102,7 @@
 </p:sld>
 </file>
 
-<file path=ppt/slides/slide16.xml><?xml version="1.0" encoding="utf-8"?>
+<file path=ppt/slides/slide17.xml><?xml version="1.0" encoding="utf-8"?>
 <p:sld xmlns:a="http://schemas.openxmlformats.org/drawingml/2006/main" xmlns:r="http://schemas.openxmlformats.org/officeDocument/2006/relationships" xmlns:p="http://schemas.openxmlformats.org/presentationml/2006/main">
   <p:cSld>
     <p:spTree>
@@ -5370,7 +5567,7 @@
 </p:sld>
 </file>
 
-<file path=ppt/slides/slide17.xml><?xml version="1.0" encoding="utf-8"?>
+<file path=ppt/slides/slide18.xml><?xml version="1.0" encoding="utf-8"?>
 <p:sld xmlns:a="http://schemas.openxmlformats.org/drawingml/2006/main" xmlns:r="http://schemas.openxmlformats.org/officeDocument/2006/relationships" xmlns:p="http://schemas.openxmlformats.org/presentationml/2006/main">
   <p:cSld>
     <p:spTree>
@@ -5661,7 +5858,7 @@
 </p:sld>
 </file>
 
-<file path=ppt/slides/slide18.xml><?xml version="1.0" encoding="utf-8"?>
+<file path=ppt/slides/slide19.xml><?xml version="1.0" encoding="utf-8"?>
 <p:sld xmlns:a="http://schemas.openxmlformats.org/drawingml/2006/main" xmlns:r="http://schemas.openxmlformats.org/officeDocument/2006/relationships" xmlns:p="http://schemas.openxmlformats.org/presentationml/2006/main">
   <p:cSld>
     <p:spTree>
@@ -5958,166 +6155,6 @@
 </p:sld>
 </file>
 
-<file path=ppt/slides/slide19.xml><?xml version="1.0" encoding="utf-8"?>
-<p:sld xmlns:a="http://schemas.openxmlformats.org/drawingml/2006/main" xmlns:r="http://schemas.openxmlformats.org/officeDocument/2006/relationships" xmlns:p="http://schemas.openxmlformats.org/presentationml/2006/main">
-  <p:cSld>
-    <p:spTree>
-      <p:nvGrpSpPr>
-        <p:cNvPr id="1" name=""/>
-        <p:cNvGrpSpPr/>
-        <p:nvPr/>
-      </p:nvGrpSpPr>
-      <p:grpSpPr>
-        <a:xfrm>
-          <a:off x="0" y="0"/>
-          <a:ext cx="0" cy="0"/>
-          <a:chOff x="0" y="0"/>
-          <a:chExt cx="0" cy="0"/>
-        </a:xfrm>
-      </p:grpSpPr>
-      <p:sp>
-        <p:nvSpPr>
-          <p:cNvPr id="2" name="Заголовок 1"/>
-          <p:cNvSpPr>
-            <a:spLocks noGrp="1"/>
-          </p:cNvSpPr>
-          <p:nvPr>
-            <p:ph type="title"/>
-          </p:nvPr>
-        </p:nvSpPr>
-        <p:spPr/>
-        <p:txBody>
-          <a:bodyPr/>
-          <a:lstStyle/>
-          <a:p>
-            <a:endParaRPr lang="ru-RU" dirty="0"/>
-          </a:p>
-        </p:txBody>
-      </p:sp>
-      <p:sp>
-        <p:nvSpPr>
-          <p:cNvPr id="3" name="Объект 2"/>
-          <p:cNvSpPr>
-            <a:spLocks noGrp="1"/>
-          </p:cNvSpPr>
-          <p:nvPr>
-            <p:ph idx="1"/>
-          </p:nvPr>
-        </p:nvSpPr>
-        <p:spPr/>
-        <p:txBody>
-          <a:bodyPr>
-            <a:normAutofit lnSpcReduction="10000"/>
-          </a:bodyPr>
-          <a:lstStyle/>
-          <a:p>
-            <a:pPr marL="0" indent="0">
-              <a:buNone/>
-            </a:pPr>
-            <a:r>
-              <a:rPr lang="ru-RU" b="1" dirty="0" smtClean="0">
-                <a:latin typeface="Times New Roman" pitchFamily="18" charset="0"/>
-                <a:cs typeface="Times New Roman" pitchFamily="18" charset="0"/>
-              </a:rPr>
-              <a:t>Волновое сопротивление </a:t>
-            </a:r>
-            <a:r>
-              <a:rPr lang="en-US" dirty="0" smtClean="0">
-                <a:latin typeface="Times New Roman" pitchFamily="18" charset="0"/>
-                <a:cs typeface="Times New Roman" pitchFamily="18" charset="0"/>
-              </a:rPr>
-              <a:t>– </a:t>
-            </a:r>
-          </a:p>
-          <a:p>
-            <a:pPr marL="514350" indent="-514350">
-              <a:buFont typeface="+mj-lt"/>
-              <a:buAutoNum type="arabicPeriod"/>
-            </a:pPr>
-            <a:r>
-              <a:rPr lang="ru-RU" dirty="0">
-                <a:latin typeface="Times New Roman" pitchFamily="18" charset="0"/>
-                <a:cs typeface="Times New Roman" pitchFamily="18" charset="0"/>
-              </a:rPr>
-              <a:t>М</a:t>
-            </a:r>
-            <a:r>
-              <a:rPr lang="ru-RU" dirty="0" smtClean="0">
-                <a:latin typeface="Times New Roman" pitchFamily="18" charset="0"/>
-                <a:cs typeface="Times New Roman" pitchFamily="18" charset="0"/>
-              </a:rPr>
-              <a:t>ера </a:t>
-            </a:r>
-            <a:r>
-              <a:rPr lang="ru-RU" dirty="0">
-                <a:latin typeface="Times New Roman" pitchFamily="18" charset="0"/>
-                <a:cs typeface="Times New Roman" pitchFamily="18" charset="0"/>
-              </a:rPr>
-              <a:t>способности среды накапливать и передавать энергию бегущей волны</a:t>
-            </a:r>
-            <a:r>
-              <a:rPr lang="ru-RU" dirty="0" smtClean="0">
-                <a:latin typeface="Times New Roman" pitchFamily="18" charset="0"/>
-                <a:cs typeface="Times New Roman" pitchFamily="18" charset="0"/>
-              </a:rPr>
-              <a:t>.</a:t>
-            </a:r>
-            <a:endParaRPr lang="en-US" dirty="0">
-              <a:latin typeface="Times New Roman" pitchFamily="18" charset="0"/>
-              <a:cs typeface="Times New Roman" pitchFamily="18" charset="0"/>
-            </a:endParaRPr>
-          </a:p>
-          <a:p>
-            <a:pPr marL="514350" indent="-514350">
-              <a:buFont typeface="+mj-lt"/>
-              <a:buAutoNum type="arabicPeriod"/>
-            </a:pPr>
-            <a:r>
-              <a:rPr lang="ru-RU" dirty="0" smtClean="0">
-                <a:latin typeface="Times New Roman" pitchFamily="18" charset="0"/>
-                <a:cs typeface="Times New Roman" pitchFamily="18" charset="0"/>
-              </a:rPr>
-              <a:t>Отношение соответствующего механического напряжения, взятого с обратным знаком, к колебательной скорости частиц среды.</a:t>
-            </a:r>
-          </a:p>
-          <a:p>
-            <a:pPr marL="514350" indent="-514350">
-              <a:buFont typeface="+mj-lt"/>
-              <a:buAutoNum type="arabicPeriod"/>
-            </a:pPr>
-            <a:r>
-              <a:rPr lang="ru-RU" dirty="0" smtClean="0">
-                <a:latin typeface="Times New Roman" pitchFamily="18" charset="0"/>
-                <a:cs typeface="Times New Roman" pitchFamily="18" charset="0"/>
-              </a:rPr>
-              <a:t>Степень неподатливости системы воздействию колебаний.</a:t>
-            </a:r>
-          </a:p>
-          <a:p>
-            <a:pPr marL="514350" indent="-514350">
-              <a:buFont typeface="+mj-lt"/>
-              <a:buAutoNum type="arabicPeriod"/>
-            </a:pPr>
-            <a:endParaRPr lang="en-US" dirty="0" smtClean="0">
-              <a:latin typeface="Times New Roman" pitchFamily="18" charset="0"/>
-              <a:cs typeface="Times New Roman" pitchFamily="18" charset="0"/>
-            </a:endParaRPr>
-          </a:p>
-        </p:txBody>
-      </p:sp>
-    </p:spTree>
-    <p:extLst>
-      <p:ext uri="{BB962C8B-B14F-4D97-AF65-F5344CB8AC3E}">
-        <p14:creationId xmlns:p14="http://schemas.microsoft.com/office/powerpoint/2010/main" val="1365154147"/>
-      </p:ext>
-    </p:extLst>
-  </p:cSld>
-  <p:clrMapOvr>
-    <a:masterClrMapping/>
-  </p:clrMapOvr>
-</p:sld>
-</file>
-
 <file path=ppt/slides/slide2.xml><?xml version="1.0" encoding="utf-8"?>
 <p:sld xmlns:a="http://schemas.openxmlformats.org/drawingml/2006/main" xmlns:r="http://schemas.openxmlformats.org/officeDocument/2006/relationships" xmlns:p="http://schemas.openxmlformats.org/presentationml/2006/main">
   <p:cSld>
@@ -6354,6 +6391,166 @@
           <a:bodyPr/>
           <a:lstStyle/>
           <a:p>
+            <a:endParaRPr lang="ru-RU" dirty="0"/>
+          </a:p>
+        </p:txBody>
+      </p:sp>
+      <p:sp>
+        <p:nvSpPr>
+          <p:cNvPr id="3" name="Объект 2"/>
+          <p:cNvSpPr>
+            <a:spLocks noGrp="1"/>
+          </p:cNvSpPr>
+          <p:nvPr>
+            <p:ph idx="1"/>
+          </p:nvPr>
+        </p:nvSpPr>
+        <p:spPr/>
+        <p:txBody>
+          <a:bodyPr>
+            <a:normAutofit lnSpcReduction="10000"/>
+          </a:bodyPr>
+          <a:lstStyle/>
+          <a:p>
+            <a:pPr marL="0" indent="0">
+              <a:buNone/>
+            </a:pPr>
+            <a:r>
+              <a:rPr lang="ru-RU" b="1" dirty="0" smtClean="0">
+                <a:latin typeface="Times New Roman" pitchFamily="18" charset="0"/>
+                <a:cs typeface="Times New Roman" pitchFamily="18" charset="0"/>
+              </a:rPr>
+              <a:t>Волновое сопротивление </a:t>
+            </a:r>
+            <a:r>
+              <a:rPr lang="en-US" dirty="0" smtClean="0">
+                <a:latin typeface="Times New Roman" pitchFamily="18" charset="0"/>
+                <a:cs typeface="Times New Roman" pitchFamily="18" charset="0"/>
+              </a:rPr>
+              <a:t>– </a:t>
+            </a:r>
+          </a:p>
+          <a:p>
+            <a:pPr marL="514350" indent="-514350">
+              <a:buFont typeface="+mj-lt"/>
+              <a:buAutoNum type="arabicPeriod"/>
+            </a:pPr>
+            <a:r>
+              <a:rPr lang="ru-RU" dirty="0">
+                <a:latin typeface="Times New Roman" pitchFamily="18" charset="0"/>
+                <a:cs typeface="Times New Roman" pitchFamily="18" charset="0"/>
+              </a:rPr>
+              <a:t>М</a:t>
+            </a:r>
+            <a:r>
+              <a:rPr lang="ru-RU" dirty="0" smtClean="0">
+                <a:latin typeface="Times New Roman" pitchFamily="18" charset="0"/>
+                <a:cs typeface="Times New Roman" pitchFamily="18" charset="0"/>
+              </a:rPr>
+              <a:t>ера </a:t>
+            </a:r>
+            <a:r>
+              <a:rPr lang="ru-RU" dirty="0">
+                <a:latin typeface="Times New Roman" pitchFamily="18" charset="0"/>
+                <a:cs typeface="Times New Roman" pitchFamily="18" charset="0"/>
+              </a:rPr>
+              <a:t>способности среды накапливать и передавать энергию бегущей волны</a:t>
+            </a:r>
+            <a:r>
+              <a:rPr lang="ru-RU" dirty="0" smtClean="0">
+                <a:latin typeface="Times New Roman" pitchFamily="18" charset="0"/>
+                <a:cs typeface="Times New Roman" pitchFamily="18" charset="0"/>
+              </a:rPr>
+              <a:t>.</a:t>
+            </a:r>
+            <a:endParaRPr lang="en-US" dirty="0">
+              <a:latin typeface="Times New Roman" pitchFamily="18" charset="0"/>
+              <a:cs typeface="Times New Roman" pitchFamily="18" charset="0"/>
+            </a:endParaRPr>
+          </a:p>
+          <a:p>
+            <a:pPr marL="514350" indent="-514350">
+              <a:buFont typeface="+mj-lt"/>
+              <a:buAutoNum type="arabicPeriod"/>
+            </a:pPr>
+            <a:r>
+              <a:rPr lang="ru-RU" dirty="0" smtClean="0">
+                <a:latin typeface="Times New Roman" pitchFamily="18" charset="0"/>
+                <a:cs typeface="Times New Roman" pitchFamily="18" charset="0"/>
+              </a:rPr>
+              <a:t>Отношение соответствующего механического напряжения, взятого с обратным знаком, к колебательной скорости частиц среды.</a:t>
+            </a:r>
+          </a:p>
+          <a:p>
+            <a:pPr marL="514350" indent="-514350">
+              <a:buFont typeface="+mj-lt"/>
+              <a:buAutoNum type="arabicPeriod"/>
+            </a:pPr>
+            <a:r>
+              <a:rPr lang="ru-RU" dirty="0" smtClean="0">
+                <a:latin typeface="Times New Roman" pitchFamily="18" charset="0"/>
+                <a:cs typeface="Times New Roman" pitchFamily="18" charset="0"/>
+              </a:rPr>
+              <a:t>Степень неподатливости системы воздействию колебаний.</a:t>
+            </a:r>
+          </a:p>
+          <a:p>
+            <a:pPr marL="514350" indent="-514350">
+              <a:buFont typeface="+mj-lt"/>
+              <a:buAutoNum type="arabicPeriod"/>
+            </a:pPr>
+            <a:endParaRPr lang="en-US" dirty="0" smtClean="0">
+              <a:latin typeface="Times New Roman" pitchFamily="18" charset="0"/>
+              <a:cs typeface="Times New Roman" pitchFamily="18" charset="0"/>
+            </a:endParaRPr>
+          </a:p>
+        </p:txBody>
+      </p:sp>
+    </p:spTree>
+    <p:extLst>
+      <p:ext uri="{BB962C8B-B14F-4D97-AF65-F5344CB8AC3E}">
+        <p14:creationId xmlns:p14="http://schemas.microsoft.com/office/powerpoint/2010/main" val="1365154147"/>
+      </p:ext>
+    </p:extLst>
+  </p:cSld>
+  <p:clrMapOvr>
+    <a:masterClrMapping/>
+  </p:clrMapOvr>
+</p:sld>
+</file>
+
+<file path=ppt/slides/slide21.xml><?xml version="1.0" encoding="utf-8"?>
+<p:sld xmlns:a="http://schemas.openxmlformats.org/drawingml/2006/main" xmlns:r="http://schemas.openxmlformats.org/officeDocument/2006/relationships" xmlns:p="http://schemas.openxmlformats.org/presentationml/2006/main">
+  <p:cSld>
+    <p:spTree>
+      <p:nvGrpSpPr>
+        <p:cNvPr id="1" name=""/>
+        <p:cNvGrpSpPr/>
+        <p:nvPr/>
+      </p:nvGrpSpPr>
+      <p:grpSpPr>
+        <a:xfrm>
+          <a:off x="0" y="0"/>
+          <a:ext cx="0" cy="0"/>
+          <a:chOff x="0" y="0"/>
+          <a:chExt cx="0" cy="0"/>
+        </a:xfrm>
+      </p:grpSpPr>
+      <p:sp>
+        <p:nvSpPr>
+          <p:cNvPr id="2" name="Заголовок 1"/>
+          <p:cNvSpPr>
+            <a:spLocks noGrp="1"/>
+          </p:cNvSpPr>
+          <p:nvPr>
+            <p:ph type="title"/>
+          </p:nvPr>
+        </p:nvSpPr>
+        <p:spPr/>
+        <p:txBody>
+          <a:bodyPr/>
+          <a:lstStyle/>
+          <a:p>
             <a:endParaRPr lang="ru-RU"/>
           </a:p>
         </p:txBody>
@@ -6413,7 +6610,7 @@
 </p:sld>
 </file>
 
-<file path=ppt/slides/slide21.xml><?xml version="1.0" encoding="utf-8"?>
+<file path=ppt/slides/slide22.xml><?xml version="1.0" encoding="utf-8"?>
 <p:sld xmlns:a="http://schemas.openxmlformats.org/drawingml/2006/main" xmlns:r="http://schemas.openxmlformats.org/officeDocument/2006/relationships" xmlns:p="http://schemas.openxmlformats.org/presentationml/2006/main">
   <p:cSld>
     <p:spTree>
@@ -6545,7 +6742,7 @@
 </p:sld>
 </file>
 
-<file path=ppt/slides/slide22.xml><?xml version="1.0" encoding="utf-8"?>
+<file path=ppt/slides/slide23.xml><?xml version="1.0" encoding="utf-8"?>
 <p:sld xmlns:a="http://schemas.openxmlformats.org/drawingml/2006/main" xmlns:r="http://schemas.openxmlformats.org/officeDocument/2006/relationships" xmlns:p="http://schemas.openxmlformats.org/presentationml/2006/main">
   <p:cSld>
     <p:spTree>
@@ -6869,6 +7066,351 @@
 </p:sld>
 </file>
 
+<file path=ppt/slides/slide24.xml><?xml version="1.0" encoding="utf-8"?>
+<p:sld xmlns:a="http://schemas.openxmlformats.org/drawingml/2006/main" xmlns:r="http://schemas.openxmlformats.org/officeDocument/2006/relationships" xmlns:p="http://schemas.openxmlformats.org/presentationml/2006/main">
+  <p:cSld>
+    <p:spTree>
+      <p:nvGrpSpPr>
+        <p:cNvPr id="1" name=""/>
+        <p:cNvGrpSpPr/>
+        <p:nvPr/>
+      </p:nvGrpSpPr>
+      <p:grpSpPr>
+        <a:xfrm>
+          <a:off x="0" y="0"/>
+          <a:ext cx="0" cy="0"/>
+          <a:chOff x="0" y="0"/>
+          <a:chExt cx="0" cy="0"/>
+        </a:xfrm>
+      </p:grpSpPr>
+      <p:sp>
+        <p:nvSpPr>
+          <p:cNvPr id="2" name="Заголовок 1"/>
+          <p:cNvSpPr>
+            <a:spLocks noGrp="1"/>
+          </p:cNvSpPr>
+          <p:nvPr>
+            <p:ph type="title"/>
+          </p:nvPr>
+        </p:nvSpPr>
+        <p:spPr/>
+        <p:txBody>
+          <a:bodyPr/>
+          <a:lstStyle/>
+          <a:p>
+            <a:endParaRPr lang="ru-RU"/>
+          </a:p>
+        </p:txBody>
+      </p:sp>
+      <p:sp>
+        <p:nvSpPr>
+          <p:cNvPr id="3" name="Объект 2"/>
+          <p:cNvSpPr>
+            <a:spLocks noGrp="1"/>
+          </p:cNvSpPr>
+          <p:nvPr>
+            <p:ph idx="1"/>
+          </p:nvPr>
+        </p:nvSpPr>
+        <p:spPr>
+          <a:xfrm>
+            <a:off x="457200" y="260648"/>
+            <a:ext cx="8229600" cy="5865515"/>
+          </a:xfrm>
+        </p:spPr>
+        <p:txBody>
+          <a:bodyPr>
+            <a:normAutofit fontScale="92500" lnSpcReduction="20000"/>
+          </a:bodyPr>
+          <a:lstStyle/>
+          <a:p>
+            <a:pPr marL="0" indent="0">
+              <a:buNone/>
+            </a:pPr>
+            <a:r>
+              <a:rPr lang="ru-RU" dirty="0" smtClean="0">
+                <a:latin typeface="Times New Roman" pitchFamily="18" charset="0"/>
+                <a:cs typeface="Times New Roman" pitchFamily="18" charset="0"/>
+              </a:rPr>
+              <a:t>Давление </a:t>
+            </a:r>
+            <a:r>
+              <a:rPr lang="ru-RU" dirty="0">
+                <a:latin typeface="Times New Roman" pitchFamily="18" charset="0"/>
+                <a:cs typeface="Times New Roman" pitchFamily="18" charset="0"/>
+              </a:rPr>
+              <a:t>может быть систолическим, диастолическим и пульсовым</a:t>
+            </a:r>
+            <a:r>
+              <a:rPr lang="ru-RU" dirty="0" smtClean="0">
+                <a:latin typeface="Times New Roman" pitchFamily="18" charset="0"/>
+                <a:cs typeface="Times New Roman" pitchFamily="18" charset="0"/>
+              </a:rPr>
+              <a:t>.</a:t>
+            </a:r>
+          </a:p>
+          <a:p>
+            <a:pPr marL="0" indent="0">
+              <a:buNone/>
+            </a:pPr>
+            <a:endParaRPr lang="ru-RU" dirty="0" smtClean="0">
+              <a:latin typeface="Times New Roman" pitchFamily="18" charset="0"/>
+              <a:cs typeface="Times New Roman" pitchFamily="18" charset="0"/>
+            </a:endParaRPr>
+          </a:p>
+          <a:p>
+            <a:r>
+              <a:rPr lang="ru-RU" b="1" dirty="0">
+                <a:latin typeface="Times New Roman" pitchFamily="18" charset="0"/>
+                <a:cs typeface="Times New Roman" pitchFamily="18" charset="0"/>
+              </a:rPr>
+              <a:t>Систолическое</a:t>
+            </a:r>
+            <a:r>
+              <a:rPr lang="ru-RU" dirty="0">
+                <a:latin typeface="Times New Roman" pitchFamily="18" charset="0"/>
+                <a:cs typeface="Times New Roman" pitchFamily="18" charset="0"/>
+              </a:rPr>
+              <a:t> давление наиболее высокое и характеризует наибольшую силу, с которой кровь в артерии ударяет о стенки сосудов.</a:t>
+            </a:r>
+          </a:p>
+          <a:p>
+            <a:endParaRPr lang="ru-RU" dirty="0">
+              <a:latin typeface="Times New Roman" pitchFamily="18" charset="0"/>
+              <a:cs typeface="Times New Roman" pitchFamily="18" charset="0"/>
+            </a:endParaRPr>
+          </a:p>
+          <a:p>
+            <a:r>
+              <a:rPr lang="ru-RU" b="1" dirty="0">
+                <a:latin typeface="Times New Roman" pitchFamily="18" charset="0"/>
+                <a:cs typeface="Times New Roman" pitchFamily="18" charset="0"/>
+              </a:rPr>
+              <a:t>Диастолическое</a:t>
+            </a:r>
+            <a:r>
+              <a:rPr lang="ru-RU" dirty="0">
+                <a:latin typeface="Times New Roman" pitchFamily="18" charset="0"/>
+                <a:cs typeface="Times New Roman" pitchFamily="18" charset="0"/>
+              </a:rPr>
+              <a:t> давление дает представление о том, как сердце расслабляется и позволяет крови поступать в его полости. </a:t>
+            </a:r>
+            <a:endParaRPr lang="ru-RU" dirty="0" smtClean="0">
+              <a:latin typeface="Times New Roman" pitchFamily="18" charset="0"/>
+              <a:cs typeface="Times New Roman" pitchFamily="18" charset="0"/>
+            </a:endParaRPr>
+          </a:p>
+          <a:p>
+            <a:endParaRPr lang="ru-RU" dirty="0">
+              <a:latin typeface="Times New Roman" pitchFamily="18" charset="0"/>
+              <a:cs typeface="Times New Roman" pitchFamily="18" charset="0"/>
+            </a:endParaRPr>
+          </a:p>
+          <a:p>
+            <a:r>
+              <a:rPr lang="ru-RU" b="1" dirty="0" smtClean="0">
+                <a:latin typeface="Times New Roman" pitchFamily="18" charset="0"/>
+                <a:cs typeface="Times New Roman" pitchFamily="18" charset="0"/>
+              </a:rPr>
+              <a:t>Пульсовое</a:t>
+            </a:r>
+            <a:r>
+              <a:rPr lang="ru-RU" dirty="0" smtClean="0">
+                <a:latin typeface="Times New Roman" pitchFamily="18" charset="0"/>
+                <a:cs typeface="Times New Roman" pitchFamily="18" charset="0"/>
+              </a:rPr>
+              <a:t> </a:t>
+            </a:r>
+            <a:r>
+              <a:rPr lang="ru-RU" dirty="0">
+                <a:latin typeface="Times New Roman" pitchFamily="18" charset="0"/>
+                <a:cs typeface="Times New Roman" pitchFamily="18" charset="0"/>
+              </a:rPr>
+              <a:t>давление это разница между двумя приведенными выше показателями и отражает степень плотности артерий.</a:t>
+            </a:r>
+          </a:p>
+        </p:txBody>
+      </p:sp>
+    </p:spTree>
+    <p:extLst>
+      <p:ext uri="{BB962C8B-B14F-4D97-AF65-F5344CB8AC3E}">
+        <p14:creationId xmlns:p14="http://schemas.microsoft.com/office/powerpoint/2010/main" val="89515074"/>
+      </p:ext>
+    </p:extLst>
+  </p:cSld>
+  <p:clrMapOvr>
+    <a:masterClrMapping/>
+  </p:clrMapOvr>
+</p:sld>
+</file>
+
+<file path=ppt/slides/slide25.xml><?xml version="1.0" encoding="utf-8"?>
+<p:sld xmlns:a="http://schemas.openxmlformats.org/drawingml/2006/main" xmlns:r="http://schemas.openxmlformats.org/officeDocument/2006/relationships" xmlns:p="http://schemas.openxmlformats.org/presentationml/2006/main">
+  <p:cSld>
+    <p:spTree>
+      <p:nvGrpSpPr>
+        <p:cNvPr id="1" name=""/>
+        <p:cNvGrpSpPr/>
+        <p:nvPr/>
+      </p:nvGrpSpPr>
+      <p:grpSpPr>
+        <a:xfrm>
+          <a:off x="0" y="0"/>
+          <a:ext cx="0" cy="0"/>
+          <a:chOff x="0" y="0"/>
+          <a:chExt cx="0" cy="0"/>
+        </a:xfrm>
+      </p:grpSpPr>
+      <p:sp>
+        <p:nvSpPr>
+          <p:cNvPr id="2" name="Заголовок 1"/>
+          <p:cNvSpPr>
+            <a:spLocks noGrp="1"/>
+          </p:cNvSpPr>
+          <p:nvPr>
+            <p:ph type="title"/>
+          </p:nvPr>
+        </p:nvSpPr>
+        <p:spPr/>
+        <p:txBody>
+          <a:bodyPr/>
+          <a:lstStyle/>
+          <a:p>
+            <a:endParaRPr lang="ru-RU"/>
+          </a:p>
+        </p:txBody>
+      </p:sp>
+      <p:sp>
+        <p:nvSpPr>
+          <p:cNvPr id="3" name="Объект 2"/>
+          <p:cNvSpPr>
+            <a:spLocks noGrp="1"/>
+          </p:cNvSpPr>
+          <p:nvPr>
+            <p:ph idx="1"/>
+          </p:nvPr>
+        </p:nvSpPr>
+        <p:spPr/>
+        <p:txBody>
+          <a:bodyPr>
+            <a:normAutofit lnSpcReduction="10000"/>
+          </a:bodyPr>
+          <a:lstStyle/>
+          <a:p>
+            <a:pPr marL="0" indent="0">
+              <a:buNone/>
+            </a:pPr>
+            <a:r>
+              <a:rPr lang="ru-RU" dirty="0" smtClean="0">
+                <a:latin typeface="Times New Roman" pitchFamily="18" charset="0"/>
+                <a:cs typeface="Times New Roman" pitchFamily="18" charset="0"/>
+              </a:rPr>
+              <a:t>Эффект ослабевает </a:t>
+            </a:r>
+            <a:r>
+              <a:rPr lang="ru-RU" dirty="0">
+                <a:latin typeface="Times New Roman" pitchFamily="18" charset="0"/>
+                <a:cs typeface="Times New Roman" pitchFamily="18" charset="0"/>
+              </a:rPr>
+              <a:t>с возрастом, поскольку </a:t>
+            </a:r>
+            <a:r>
+              <a:rPr lang="ru-RU" dirty="0" smtClean="0">
+                <a:latin typeface="Times New Roman" pitchFamily="18" charset="0"/>
+                <a:cs typeface="Times New Roman" pitchFamily="18" charset="0"/>
+              </a:rPr>
+              <a:t>артерии </a:t>
+            </a:r>
+            <a:r>
+              <a:rPr lang="ru-RU" dirty="0">
+                <a:latin typeface="Times New Roman" pitchFamily="18" charset="0"/>
+                <a:cs typeface="Times New Roman" pitchFamily="18" charset="0"/>
+              </a:rPr>
+              <a:t>становятся менее </a:t>
+            </a:r>
+            <a:r>
+              <a:rPr lang="ru-RU" dirty="0" smtClean="0">
+                <a:latin typeface="Times New Roman" pitchFamily="18" charset="0"/>
+                <a:cs typeface="Times New Roman" pitchFamily="18" charset="0"/>
+              </a:rPr>
+              <a:t>эластичными. Это приводит </a:t>
+            </a:r>
+            <a:r>
+              <a:rPr lang="ru-RU" dirty="0">
+                <a:latin typeface="Times New Roman" pitchFamily="18" charset="0"/>
+                <a:cs typeface="Times New Roman" pitchFamily="18" charset="0"/>
+              </a:rPr>
+              <a:t>к увеличению пульсового давления для данного ходового </a:t>
+            </a:r>
+            <a:r>
+              <a:rPr lang="ru-RU" dirty="0" smtClean="0">
+                <a:latin typeface="Times New Roman" pitchFamily="18" charset="0"/>
+                <a:cs typeface="Times New Roman" pitchFamily="18" charset="0"/>
+              </a:rPr>
+              <a:t>объема. </a:t>
+            </a:r>
+            <a:r>
+              <a:rPr lang="ru-RU" dirty="0">
+                <a:latin typeface="Times New Roman" pitchFamily="18" charset="0"/>
+                <a:cs typeface="Times New Roman" pitchFamily="18" charset="0"/>
+              </a:rPr>
+              <a:t>Повышенное пульсовое давление приводит к повышению систолического давления (</a:t>
+            </a:r>
+            <a:r>
+              <a:rPr lang="ru-RU" dirty="0" smtClean="0">
+                <a:latin typeface="Times New Roman" pitchFamily="18" charset="0"/>
+                <a:cs typeface="Times New Roman" pitchFamily="18" charset="0"/>
+              </a:rPr>
+              <a:t>гипертония), </a:t>
+            </a:r>
+            <a:r>
+              <a:rPr lang="ru-RU" dirty="0">
+                <a:latin typeface="Times New Roman" pitchFamily="18" charset="0"/>
+                <a:cs typeface="Times New Roman" pitchFamily="18" charset="0"/>
+              </a:rPr>
+              <a:t>что увеличивает риск инфаркта миокарда , </a:t>
+            </a:r>
+            <a:r>
+              <a:rPr lang="ru-RU" dirty="0" smtClean="0">
+                <a:latin typeface="Times New Roman" pitchFamily="18" charset="0"/>
+                <a:cs typeface="Times New Roman" pitchFamily="18" charset="0"/>
+              </a:rPr>
+              <a:t>инсульта, </a:t>
+            </a:r>
+            <a:r>
+              <a:rPr lang="ru-RU" dirty="0">
+                <a:latin typeface="Times New Roman" pitchFamily="18" charset="0"/>
+                <a:cs typeface="Times New Roman" pitchFamily="18" charset="0"/>
+              </a:rPr>
+              <a:t>сердечной недостаточности и множество других сердечно-сосудистых заболеваний</a:t>
+            </a:r>
+            <a:r>
+              <a:rPr lang="ru-RU" dirty="0" smtClean="0">
+                <a:latin typeface="Times New Roman" pitchFamily="18" charset="0"/>
+                <a:cs typeface="Times New Roman" pitchFamily="18" charset="0"/>
+              </a:rPr>
+              <a:t>.</a:t>
+            </a:r>
+            <a:endParaRPr lang="ru-RU" dirty="0">
+              <a:latin typeface="Times New Roman" pitchFamily="18" charset="0"/>
+              <a:cs typeface="Times New Roman" pitchFamily="18" charset="0"/>
+            </a:endParaRPr>
+          </a:p>
+        </p:txBody>
+      </p:sp>
+    </p:spTree>
+    <p:extLst>
+      <p:ext uri="{BB962C8B-B14F-4D97-AF65-F5344CB8AC3E}">
+        <p14:creationId xmlns:p14="http://schemas.microsoft.com/office/powerpoint/2010/main" val="69302084"/>
+      </p:ext>
+    </p:extLst>
+  </p:cSld>
+  <p:clrMapOvr>
+    <a:masterClrMapping/>
+  </p:clrMapOvr>
+</p:sld>
+</file>
+
 <file path=ppt/slides/slide3.xml><?xml version="1.0" encoding="utf-8"?>
 <p:sld xmlns:a="http://schemas.openxmlformats.org/drawingml/2006/main" xmlns:r="http://schemas.openxmlformats.org/officeDocument/2006/relationships" xmlns:p="http://schemas.openxmlformats.org/presentationml/2006/main">
   <p:cSld>
@@ -7709,13 +8251,6 @@
           <a:bodyPr/>
           <a:lstStyle/>
           <a:p>
-            <a:r>
-              <a:rPr lang="ru-RU" dirty="0" smtClean="0">
-                <a:latin typeface="Times New Roman" pitchFamily="18" charset="0"/>
-                <a:cs typeface="Times New Roman" pitchFamily="18" charset="0"/>
-              </a:rPr>
-              <a:t>1. </a:t>
-            </a:r>
             <a:r>
               <a:rPr lang="ru-RU" dirty="0" err="1" smtClean="0">
                 <a:latin typeface="Times New Roman" pitchFamily="18" charset="0"/>

--- a/windkessel.pptx
+++ b/windkessel.pptx
@@ -3704,8 +3704,72 @@
         </p:blipFill>
         <p:spPr bwMode="auto">
           <a:xfrm>
-            <a:off x="323528" y="260648"/>
-            <a:ext cx="8362220" cy="5760640"/>
+            <a:off x="179512" y="-1827584"/>
+            <a:ext cx="6408712" cy="4414890"/>
+          </a:xfrm>
+          <a:prstGeom prst="rect">
+            <a:avLst/>
+          </a:prstGeom>
+          <a:noFill/>
+          <a:ln>
+            <a:noFill/>
+          </a:ln>
+          <a:effectLst/>
+          <a:extLst>
+            <a:ext uri="{909E8E84-426E-40DD-AFC4-6F175D3DCCD1}">
+              <a14:hiddenFill xmlns:a14="http://schemas.microsoft.com/office/drawing/2010/main">
+                <a:solidFill>
+                  <a:schemeClr val="accent1"/>
+                </a:solidFill>
+              </a14:hiddenFill>
+            </a:ext>
+            <a:ext uri="{91240B29-F687-4F45-9708-019B960494DF}">
+              <a14:hiddenLine xmlns:a14="http://schemas.microsoft.com/office/drawing/2010/main" w="9525">
+                <a:solidFill>
+                  <a:schemeClr val="tx1"/>
+                </a:solidFill>
+                <a:miter lim="800000"/>
+                <a:headEnd/>
+                <a:tailEnd/>
+              </a14:hiddenLine>
+            </a:ext>
+            <a:ext uri="{AF507438-7753-43E0-B8FC-AC1667EBCBE1}">
+              <a14:hiddenEffects xmlns:a14="http://schemas.microsoft.com/office/drawing/2010/main">
+                <a:effectLst>
+                  <a:outerShdw dist="35921" dir="2700000" algn="ctr" rotWithShape="0">
+                    <a:schemeClr val="bg2"/>
+                  </a:outerShdw>
+                </a:effectLst>
+              </a14:hiddenEffects>
+            </a:ext>
+          </a:extLst>
+        </p:spPr>
+      </p:pic>
+      <p:pic>
+        <p:nvPicPr>
+          <p:cNvPr id="4" name="Picture 2"/>
+          <p:cNvPicPr>
+            <a:picLocks noChangeAspect="1" noChangeArrowheads="1"/>
+          </p:cNvPicPr>
+          <p:nvPr/>
+        </p:nvPicPr>
+        <p:blipFill>
+          <a:blip r:embed="rId3">
+            <a:extLst>
+              <a:ext uri="{28A0092B-C50C-407E-A947-70E740481C1C}">
+                <a14:useLocalDpi xmlns:a14="http://schemas.microsoft.com/office/drawing/2010/main" val="0"/>
+              </a:ext>
+            </a:extLst>
+          </a:blip>
+          <a:srcRect/>
+          <a:stretch>
+            <a:fillRect/>
+          </a:stretch>
+        </p:blipFill>
+        <p:spPr bwMode="auto">
+          <a:xfrm>
+            <a:off x="2699792" y="3573016"/>
+            <a:ext cx="5360698" cy="2065830"/>
           </a:xfrm>
           <a:prstGeom prst="rect">
             <a:avLst/>
